--- a/fundamentals/Preamble.pptx
+++ b/fundamentals/Preamble.pptx
@@ -7,9 +7,12 @@
   <p:sldIdLst>
     <p:sldId id="256" r:id="rId2"/>
     <p:sldId id="257" r:id="rId3"/>
-    <p:sldId id="259" r:id="rId4"/>
-    <p:sldId id="258" r:id="rId5"/>
-    <p:sldId id="260" r:id="rId6"/>
+    <p:sldId id="261" r:id="rId4"/>
+    <p:sldId id="262" r:id="rId5"/>
+    <p:sldId id="259" r:id="rId6"/>
+    <p:sldId id="258" r:id="rId7"/>
+    <p:sldId id="260" r:id="rId8"/>
+    <p:sldId id="263" r:id="rId9"/>
   </p:sldIdLst>
   <p:sldSz cx="12192000" cy="6858000"/>
   <p:notesSz cx="6858000" cy="9144000"/>
@@ -108,6 +111,11 @@
       </a:defRPr>
     </a:lvl9pPr>
   </p:defaultTextStyle>
+  <p:extLst>
+    <p:ext uri="{EFAFB233-063F-42B5-8137-9DF3F51BA10A}">
+      <p15:sldGuideLst xmlns:p15="http://schemas.microsoft.com/office/powerpoint/2012/main"/>
+    </p:ext>
+  </p:extLst>
 </p:presentation>
 </file>
 
@@ -3494,124 +3502,139 @@
       </p:grpSpPr>
       <p:sp>
         <p:nvSpPr>
-          <p:cNvPr id="3" name="Title 2">
-            <a:extLst>
-              <a:ext uri="{FF2B5EF4-FFF2-40B4-BE49-F238E27FC236}">
-                <a16:creationId xmlns:a16="http://schemas.microsoft.com/office/drawing/2014/main" id="{E662C839-EDBF-C94A-95E9-0582738D7B43}"/>
-              </a:ext>
-            </a:extLst>
-          </p:cNvPr>
-          <p:cNvSpPr>
-            <a:spLocks noGrp="1"/>
-          </p:cNvSpPr>
-          <p:nvPr>
-            <p:ph type="title"/>
-          </p:nvPr>
-        </p:nvSpPr>
-        <p:spPr/>
-        <p:txBody>
-          <a:bodyPr/>
-          <a:lstStyle/>
-          <a:p>
-            <a:pPr algn="ctr"/>
+          <p:cNvPr id="2" name="Title 1">
+            <a:extLst>
+              <a:ext uri="{FF2B5EF4-FFF2-40B4-BE49-F238E27FC236}">
+                <a16:creationId xmlns:a16="http://schemas.microsoft.com/office/drawing/2014/main" id="{83D6326A-989A-D940-8B0A-2738A81D1994}"/>
+              </a:ext>
+            </a:extLst>
+          </p:cNvPr>
+          <p:cNvSpPr>
+            <a:spLocks noGrp="1"/>
+          </p:cNvSpPr>
+          <p:nvPr>
+            <p:ph type="ctrTitle"/>
+          </p:nvPr>
+        </p:nvSpPr>
+        <p:spPr/>
+        <p:txBody>
+          <a:bodyPr>
+            <a:normAutofit fontScale="90000"/>
+          </a:bodyPr>
+          <a:lstStyle/>
+          <a:p>
             <a:r>
               <a:rPr lang="en-US" dirty="0"/>
-              <a:t>Learning is the sole purpose</a:t>
-            </a:r>
-          </a:p>
-        </p:txBody>
-      </p:sp>
-      <p:sp>
-        <p:nvSpPr>
-          <p:cNvPr id="4" name="Content Placeholder 3">
-            <a:extLst>
-              <a:ext uri="{FF2B5EF4-FFF2-40B4-BE49-F238E27FC236}">
-                <a16:creationId xmlns:a16="http://schemas.microsoft.com/office/drawing/2014/main" id="{31B30D0A-D5E3-E148-B88F-6706E3EAD304}"/>
-              </a:ext>
-            </a:extLst>
-          </p:cNvPr>
-          <p:cNvSpPr>
-            <a:spLocks noGrp="1"/>
-          </p:cNvSpPr>
-          <p:nvPr>
-            <p:ph idx="1"/>
-          </p:nvPr>
-        </p:nvSpPr>
-        <p:spPr/>
+              <a:t>Every </a:t>
+            </a:r>
+            <a:r>
+              <a:rPr lang="en-US" b="1" dirty="0"/>
+              <a:t>Saturday</a:t>
+            </a:r>
+            <a:r>
+              <a:rPr lang="en-US" dirty="0"/>
+              <a:t> at </a:t>
+            </a:r>
+            <a:r>
+              <a:rPr lang="en-US" b="1" dirty="0"/>
+              <a:t>14:00 GMT </a:t>
+            </a:r>
+            <a:r>
+              <a:rPr lang="en-US" dirty="0"/>
+              <a:t>until we complete the </a:t>
+            </a:r>
+            <a:r>
+              <a:rPr lang="en-US" i="1" dirty="0"/>
+              <a:t>fundamentals</a:t>
+            </a:r>
+            <a:endParaRPr lang="en-US" dirty="0"/>
+          </a:p>
+        </p:txBody>
+      </p:sp>
+      <p:sp>
+        <p:nvSpPr>
+          <p:cNvPr id="3" name="Subtitle 2">
+            <a:extLst>
+              <a:ext uri="{FF2B5EF4-FFF2-40B4-BE49-F238E27FC236}">
+                <a16:creationId xmlns:a16="http://schemas.microsoft.com/office/drawing/2014/main" id="{073B482A-C2DC-4849-990A-938E43017988}"/>
+              </a:ext>
+            </a:extLst>
+          </p:cNvPr>
+          <p:cNvSpPr>
+            <a:spLocks noGrp="1"/>
+          </p:cNvSpPr>
+          <p:nvPr>
+            <p:ph type="subTitle" idx="1"/>
+          </p:nvPr>
+        </p:nvSpPr>
+        <p:spPr>
+          <a:xfrm>
+            <a:off x="1524000" y="3602037"/>
+            <a:ext cx="9231984" cy="2902457"/>
+          </a:xfrm>
+        </p:spPr>
         <p:txBody>
           <a:bodyPr>
-            <a:normAutofit lnSpcReduction="10000"/>
+            <a:normAutofit/>
           </a:bodyPr>
           <a:lstStyle/>
           <a:p>
-            <a:pPr marL="0" indent="0">
-              <a:buNone/>
-            </a:pPr>
-            <a:r>
-              <a:rPr lang="en-US" dirty="0"/>
-              <a:t>None of these exists here</a:t>
-            </a:r>
-          </a:p>
-          <a:p>
-            <a:pPr marL="0" indent="0">
-              <a:buNone/>
-            </a:pPr>
-            <a:r>
-              <a:rPr lang="en-US" dirty="0"/>
-              <a:t>	</a:t>
-            </a:r>
-          </a:p>
-          <a:p>
-            <a:r>
-              <a:rPr lang="en-US" dirty="0"/>
-              <a:t>Marks</a:t>
-            </a:r>
-          </a:p>
-          <a:p>
-            <a:r>
-              <a:rPr lang="en-US" dirty="0"/>
-              <a:t>Certificate</a:t>
-            </a:r>
-          </a:p>
-          <a:p>
-            <a:r>
-              <a:rPr lang="en-US" dirty="0"/>
-              <a:t>Money</a:t>
-            </a:r>
-          </a:p>
-          <a:p>
-            <a:r>
-              <a:rPr lang="en-US" dirty="0"/>
-              <a:t>Fame</a:t>
-            </a:r>
-          </a:p>
-          <a:p>
-            <a:r>
-              <a:rPr lang="en-US" dirty="0"/>
-              <a:t>Popularity for being smartest/loudest</a:t>
-            </a:r>
-          </a:p>
-          <a:p>
-            <a:r>
-              <a:rPr lang="en-US" dirty="0"/>
-              <a:t>Promotion</a:t>
-            </a:r>
-          </a:p>
-          <a:p>
-            <a:r>
-              <a:rPr lang="en-US" dirty="0"/>
-              <a:t>Hike</a:t>
-            </a:r>
-          </a:p>
-          <a:p>
-            <a:endParaRPr lang="en-US" dirty="0"/>
+            <a:endParaRPr lang="en-US" sz="1400" dirty="0"/>
+          </a:p>
+          <a:p>
+            <a:endParaRPr lang="en-US" sz="1400" dirty="0"/>
+          </a:p>
+          <a:p>
+            <a:r>
+              <a:rPr lang="en-US" sz="1400" dirty="0"/>
+              <a:t>Approximately 10 – 15 sessions but we can finish earlier or later depending on many factors. But, let’s not worry about that!</a:t>
+            </a:r>
+          </a:p>
+          <a:p>
+            <a:endParaRPr lang="en-US" sz="1400" dirty="0"/>
+          </a:p>
+          <a:p>
+            <a:r>
+              <a:rPr lang="en-US" sz="1400" dirty="0"/>
+              <a:t>Each session will run for 60 – 90 minutes depending on the discussions</a:t>
+            </a:r>
+          </a:p>
+          <a:p>
+            <a:endParaRPr lang="en-US" sz="1400" dirty="0"/>
+          </a:p>
+          <a:p>
+            <a:r>
+              <a:rPr lang="en-US" sz="1400" dirty="0"/>
+              <a:t>Join this Skype group: </a:t>
+            </a:r>
+            <a:r>
+              <a:rPr lang="en-US" sz="1400" dirty="0">
+                <a:hlinkClick r:id="rId2"/>
+              </a:rPr>
+              <a:t>https://join.skype.com/oZTo0SHvXdgu</a:t>
+            </a:r>
+            <a:endParaRPr lang="en-US" sz="1400" dirty="0"/>
+          </a:p>
+          <a:p>
+            <a:r>
+              <a:rPr lang="en-US" sz="1400" dirty="0"/>
+              <a:t>Feel free to start the call </a:t>
+            </a:r>
+            <a:r>
+              <a:rPr lang="en-US" sz="1400" i="1" dirty="0"/>
+              <a:t>before</a:t>
+            </a:r>
+            <a:r>
+              <a:rPr lang="en-US" sz="1400" dirty="0"/>
+              <a:t> the stipulated time</a:t>
+            </a:r>
           </a:p>
         </p:txBody>
       </p:sp>
     </p:spTree>
     <p:extLst>
       <p:ext uri="{BB962C8B-B14F-4D97-AF65-F5344CB8AC3E}">
-        <p14:creationId xmlns:p14="http://schemas.microsoft.com/office/powerpoint/2010/main" val="1350916365"/>
+        <p14:creationId xmlns:p14="http://schemas.microsoft.com/office/powerpoint/2010/main" val="3137672873"/>
       </p:ext>
     </p:extLst>
   </p:cSld>
@@ -3640,10 +3663,10 @@
       </p:grpSpPr>
       <p:sp>
         <p:nvSpPr>
-          <p:cNvPr id="3" name="Title 2">
-            <a:extLst>
-              <a:ext uri="{FF2B5EF4-FFF2-40B4-BE49-F238E27FC236}">
-                <a16:creationId xmlns:a16="http://schemas.microsoft.com/office/drawing/2014/main" id="{ED05ABDA-6A7C-F740-BC07-1DCDB6520274}"/>
+          <p:cNvPr id="2" name="Title 1">
+            <a:extLst>
+              <a:ext uri="{FF2B5EF4-FFF2-40B4-BE49-F238E27FC236}">
+                <a16:creationId xmlns:a16="http://schemas.microsoft.com/office/drawing/2014/main" id="{F2146592-72CE-FE41-B007-D0297EB062A6}"/>
               </a:ext>
             </a:extLst>
           </p:cNvPr>
@@ -3659,20 +3682,19 @@
           <a:bodyPr/>
           <a:lstStyle/>
           <a:p>
-            <a:pPr algn="ctr"/>
             <a:r>
               <a:rPr lang="en-US" dirty="0"/>
-              <a:t>Ask questions</a:t>
-            </a:r>
-          </a:p>
-        </p:txBody>
-      </p:sp>
-      <p:sp>
-        <p:nvSpPr>
-          <p:cNvPr id="4" name="Content Placeholder 3">
-            <a:extLst>
-              <a:ext uri="{FF2B5EF4-FFF2-40B4-BE49-F238E27FC236}">
-                <a16:creationId xmlns:a16="http://schemas.microsoft.com/office/drawing/2014/main" id="{9693B2F2-23B8-EB4B-A823-7488EDD545B1}"/>
+              <a:t>What are we trying to learn</a:t>
+            </a:r>
+          </a:p>
+        </p:txBody>
+      </p:sp>
+      <p:sp>
+        <p:nvSpPr>
+          <p:cNvPr id="3" name="Content Placeholder 2">
+            <a:extLst>
+              <a:ext uri="{FF2B5EF4-FFF2-40B4-BE49-F238E27FC236}">
+                <a16:creationId xmlns:a16="http://schemas.microsoft.com/office/drawing/2014/main" id="{EA2B15B7-D173-7E4B-8C0D-4CB546CCB109}"/>
               </a:ext>
             </a:extLst>
           </p:cNvPr>
@@ -3688,27 +3710,29 @@
           <a:bodyPr/>
           <a:lstStyle/>
           <a:p>
+            <a:endParaRPr lang="en-US" i="1" dirty="0"/>
+          </a:p>
+          <a:p>
+            <a:endParaRPr lang="en-US" i="1" dirty="0"/>
+          </a:p>
+          <a:p>
+            <a:r>
+              <a:rPr lang="en-US" i="1" dirty="0"/>
+              <a:t>Fundamentals </a:t>
+            </a:r>
             <a:r>
               <a:rPr lang="en-US" dirty="0"/>
-              <a:t>No relevant question is unnecessary</a:t>
-            </a:r>
-          </a:p>
-          <a:p>
+              <a:t> of Python programming language</a:t>
+            </a:r>
+          </a:p>
+          <a:p>
+            <a:r>
+              <a:rPr lang="en-US" i="1" dirty="0"/>
+              <a:t>Relevant </a:t>
+            </a:r>
             <a:r>
               <a:rPr lang="en-US" dirty="0"/>
-              <a:t>You will judge not be judged</a:t>
-            </a:r>
-          </a:p>
-          <a:p>
-            <a:r>
-              <a:rPr lang="en-US" dirty="0"/>
-              <a:t>We appreciate that everyone is at different stages of evolution, so don’t worry about your questions</a:t>
-            </a:r>
-          </a:p>
-          <a:p>
-            <a:r>
-              <a:rPr lang="en-US" dirty="0"/>
-              <a:t>I have no time-limit set to run through this course (Don’t worry about your questions taking up time)</a:t>
+              <a:t>Computer Science concepts</a:t>
             </a:r>
           </a:p>
         </p:txBody>
@@ -3716,7 +3740,7 @@
     </p:spTree>
     <p:extLst>
       <p:ext uri="{BB962C8B-B14F-4D97-AF65-F5344CB8AC3E}">
-        <p14:creationId xmlns:p14="http://schemas.microsoft.com/office/powerpoint/2010/main" val="1339431523"/>
+        <p14:creationId xmlns:p14="http://schemas.microsoft.com/office/powerpoint/2010/main" val="2130857132"/>
       </p:ext>
     </p:extLst>
   </p:cSld>
@@ -3745,6 +3769,257 @@
       </p:grpSpPr>
       <p:sp>
         <p:nvSpPr>
+          <p:cNvPr id="3" name="Title 2">
+            <a:extLst>
+              <a:ext uri="{FF2B5EF4-FFF2-40B4-BE49-F238E27FC236}">
+                <a16:creationId xmlns:a16="http://schemas.microsoft.com/office/drawing/2014/main" id="{E662C839-EDBF-C94A-95E9-0582738D7B43}"/>
+              </a:ext>
+            </a:extLst>
+          </p:cNvPr>
+          <p:cNvSpPr>
+            <a:spLocks noGrp="1"/>
+          </p:cNvSpPr>
+          <p:nvPr>
+            <p:ph type="title"/>
+          </p:nvPr>
+        </p:nvSpPr>
+        <p:spPr/>
+        <p:txBody>
+          <a:bodyPr/>
+          <a:lstStyle/>
+          <a:p>
+            <a:pPr algn="ctr"/>
+            <a:r>
+              <a:rPr lang="en-US" dirty="0"/>
+              <a:t>Learning is the sole purpose</a:t>
+            </a:r>
+          </a:p>
+        </p:txBody>
+      </p:sp>
+      <p:sp>
+        <p:nvSpPr>
+          <p:cNvPr id="4" name="Content Placeholder 3">
+            <a:extLst>
+              <a:ext uri="{FF2B5EF4-FFF2-40B4-BE49-F238E27FC236}">
+                <a16:creationId xmlns:a16="http://schemas.microsoft.com/office/drawing/2014/main" id="{31B30D0A-D5E3-E148-B88F-6706E3EAD304}"/>
+              </a:ext>
+            </a:extLst>
+          </p:cNvPr>
+          <p:cNvSpPr>
+            <a:spLocks noGrp="1"/>
+          </p:cNvSpPr>
+          <p:nvPr>
+            <p:ph idx="1"/>
+          </p:nvPr>
+        </p:nvSpPr>
+        <p:spPr/>
+        <p:txBody>
+          <a:bodyPr>
+            <a:normAutofit lnSpcReduction="10000"/>
+          </a:bodyPr>
+          <a:lstStyle/>
+          <a:p>
+            <a:pPr marL="0" indent="0">
+              <a:buNone/>
+            </a:pPr>
+            <a:r>
+              <a:rPr lang="en-US" dirty="0"/>
+              <a:t>None of these can steal your energy or distract you</a:t>
+            </a:r>
+          </a:p>
+          <a:p>
+            <a:pPr marL="0" indent="0">
+              <a:buNone/>
+            </a:pPr>
+            <a:r>
+              <a:rPr lang="en-US" dirty="0"/>
+              <a:t>	</a:t>
+            </a:r>
+          </a:p>
+          <a:p>
+            <a:r>
+              <a:rPr lang="en-US" dirty="0"/>
+              <a:t>Marks</a:t>
+            </a:r>
+          </a:p>
+          <a:p>
+            <a:r>
+              <a:rPr lang="en-US" dirty="0"/>
+              <a:t>Certificate</a:t>
+            </a:r>
+          </a:p>
+          <a:p>
+            <a:r>
+              <a:rPr lang="en-US" dirty="0"/>
+              <a:t>Money</a:t>
+            </a:r>
+          </a:p>
+          <a:p>
+            <a:r>
+              <a:rPr lang="en-US" dirty="0"/>
+              <a:t>Fame</a:t>
+            </a:r>
+          </a:p>
+          <a:p>
+            <a:r>
+              <a:rPr lang="en-US" dirty="0"/>
+              <a:t>Popularity for being smartest/loudest</a:t>
+            </a:r>
+          </a:p>
+          <a:p>
+            <a:r>
+              <a:rPr lang="en-US" dirty="0"/>
+              <a:t>Promotion</a:t>
+            </a:r>
+          </a:p>
+          <a:p>
+            <a:r>
+              <a:rPr lang="en-US" dirty="0"/>
+              <a:t>Hike</a:t>
+            </a:r>
+          </a:p>
+          <a:p>
+            <a:endParaRPr lang="en-US" dirty="0"/>
+          </a:p>
+        </p:txBody>
+      </p:sp>
+    </p:spTree>
+    <p:extLst>
+      <p:ext uri="{BB962C8B-B14F-4D97-AF65-F5344CB8AC3E}">
+        <p14:creationId xmlns:p14="http://schemas.microsoft.com/office/powerpoint/2010/main" val="1350916365"/>
+      </p:ext>
+    </p:extLst>
+  </p:cSld>
+  <p:clrMapOvr>
+    <a:masterClrMapping/>
+  </p:clrMapOvr>
+</p:sld>
+</file>
+
+<file path=ppt/slides/slide6.xml><?xml version="1.0" encoding="utf-8"?>
+<p:sld xmlns:a="http://schemas.openxmlformats.org/drawingml/2006/main" xmlns:r="http://schemas.openxmlformats.org/officeDocument/2006/relationships" xmlns:p="http://schemas.openxmlformats.org/presentationml/2006/main">
+  <p:cSld>
+    <p:spTree>
+      <p:nvGrpSpPr>
+        <p:cNvPr id="1" name=""/>
+        <p:cNvGrpSpPr/>
+        <p:nvPr/>
+      </p:nvGrpSpPr>
+      <p:grpSpPr>
+        <a:xfrm>
+          <a:off x="0" y="0"/>
+          <a:ext cx="0" cy="0"/>
+          <a:chOff x="0" y="0"/>
+          <a:chExt cx="0" cy="0"/>
+        </a:xfrm>
+      </p:grpSpPr>
+      <p:sp>
+        <p:nvSpPr>
+          <p:cNvPr id="3" name="Title 2">
+            <a:extLst>
+              <a:ext uri="{FF2B5EF4-FFF2-40B4-BE49-F238E27FC236}">
+                <a16:creationId xmlns:a16="http://schemas.microsoft.com/office/drawing/2014/main" id="{ED05ABDA-6A7C-F740-BC07-1DCDB6520274}"/>
+              </a:ext>
+            </a:extLst>
+          </p:cNvPr>
+          <p:cNvSpPr>
+            <a:spLocks noGrp="1"/>
+          </p:cNvSpPr>
+          <p:nvPr>
+            <p:ph type="title"/>
+          </p:nvPr>
+        </p:nvSpPr>
+        <p:spPr/>
+        <p:txBody>
+          <a:bodyPr/>
+          <a:lstStyle/>
+          <a:p>
+            <a:pPr algn="ctr"/>
+            <a:r>
+              <a:rPr lang="en-US" dirty="0"/>
+              <a:t>Ask questions</a:t>
+            </a:r>
+          </a:p>
+        </p:txBody>
+      </p:sp>
+      <p:sp>
+        <p:nvSpPr>
+          <p:cNvPr id="4" name="Content Placeholder 3">
+            <a:extLst>
+              <a:ext uri="{FF2B5EF4-FFF2-40B4-BE49-F238E27FC236}">
+                <a16:creationId xmlns:a16="http://schemas.microsoft.com/office/drawing/2014/main" id="{9693B2F2-23B8-EB4B-A823-7488EDD545B1}"/>
+              </a:ext>
+            </a:extLst>
+          </p:cNvPr>
+          <p:cNvSpPr>
+            <a:spLocks noGrp="1"/>
+          </p:cNvSpPr>
+          <p:nvPr>
+            <p:ph idx="1"/>
+          </p:nvPr>
+        </p:nvSpPr>
+        <p:spPr/>
+        <p:txBody>
+          <a:bodyPr/>
+          <a:lstStyle/>
+          <a:p>
+            <a:r>
+              <a:rPr lang="en-US" dirty="0"/>
+              <a:t>No relevant question is unnecessary</a:t>
+            </a:r>
+          </a:p>
+          <a:p>
+            <a:r>
+              <a:rPr lang="en-US" dirty="0"/>
+              <a:t>You will not be judged</a:t>
+            </a:r>
+          </a:p>
+          <a:p>
+            <a:r>
+              <a:rPr lang="en-US" dirty="0"/>
+              <a:t>We appreciate that everyone is at different stages of evolution, so don’t worry about quality/grammar of your questions</a:t>
+            </a:r>
+          </a:p>
+          <a:p>
+            <a:r>
+              <a:rPr lang="en-US" dirty="0"/>
+              <a:t>I have no time-limit set to run through this course (Don’t worry about your questions taking up time)</a:t>
+            </a:r>
+          </a:p>
+        </p:txBody>
+      </p:sp>
+    </p:spTree>
+    <p:extLst>
+      <p:ext uri="{BB962C8B-B14F-4D97-AF65-F5344CB8AC3E}">
+        <p14:creationId xmlns:p14="http://schemas.microsoft.com/office/powerpoint/2010/main" val="1339431523"/>
+      </p:ext>
+    </p:extLst>
+  </p:cSld>
+  <p:clrMapOvr>
+    <a:masterClrMapping/>
+  </p:clrMapOvr>
+</p:sld>
+</file>
+
+<file path=ppt/slides/slide7.xml><?xml version="1.0" encoding="utf-8"?>
+<p:sld xmlns:a="http://schemas.openxmlformats.org/drawingml/2006/main" xmlns:r="http://schemas.openxmlformats.org/officeDocument/2006/relationships" xmlns:p="http://schemas.openxmlformats.org/presentationml/2006/main">
+  <p:cSld>
+    <p:spTree>
+      <p:nvGrpSpPr>
+        <p:cNvPr id="1" name=""/>
+        <p:cNvGrpSpPr/>
+        <p:nvPr/>
+      </p:nvGrpSpPr>
+      <p:grpSpPr>
+        <a:xfrm>
+          <a:off x="0" y="0"/>
+          <a:ext cx="0" cy="0"/>
+          <a:chOff x="0" y="0"/>
+          <a:chExt cx="0" cy="0"/>
+        </a:xfrm>
+      </p:grpSpPr>
+      <p:sp>
+        <p:nvSpPr>
           <p:cNvPr id="2" name="Title 1">
             <a:extLst>
               <a:ext uri="{FF2B5EF4-FFF2-40B4-BE49-F238E27FC236}">
@@ -3793,21 +4068,24 @@
           <a:bodyPr/>
           <a:lstStyle/>
           <a:p>
+            <a:endParaRPr lang="en-US" dirty="0"/>
+          </a:p>
+          <a:p>
+            <a:endParaRPr lang="en-US" dirty="0"/>
+          </a:p>
+          <a:p>
             <a:r>
               <a:rPr lang="en-US" dirty="0"/>
               <a:t>You will write code regularly</a:t>
             </a:r>
           </a:p>
           <a:p>
+            <a:endParaRPr lang="en-US" dirty="0"/>
+          </a:p>
+          <a:p>
             <a:r>
               <a:rPr lang="en-US" dirty="0"/>
               <a:t>You will try and convert your understanding into practice and cement it into knowledge</a:t>
-            </a:r>
-          </a:p>
-          <a:p>
-            <a:r>
-              <a:rPr lang="en-US" dirty="0"/>
-              <a:t>Do not be satisfied that your program “works”, make sure you can reason it</a:t>
             </a:r>
           </a:p>
         </p:txBody>
@@ -3816,6 +4094,95 @@
     <p:extLst>
       <p:ext uri="{BB962C8B-B14F-4D97-AF65-F5344CB8AC3E}">
         <p14:creationId xmlns:p14="http://schemas.microsoft.com/office/powerpoint/2010/main" val="1191457036"/>
+      </p:ext>
+    </p:extLst>
+  </p:cSld>
+  <p:clrMapOvr>
+    <a:masterClrMapping/>
+  </p:clrMapOvr>
+</p:sld>
+</file>
+
+<file path=ppt/slides/slide8.xml><?xml version="1.0" encoding="utf-8"?>
+<p:sld xmlns:a="http://schemas.openxmlformats.org/drawingml/2006/main" xmlns:r="http://schemas.openxmlformats.org/officeDocument/2006/relationships" xmlns:p="http://schemas.openxmlformats.org/presentationml/2006/main">
+  <p:cSld>
+    <p:spTree>
+      <p:nvGrpSpPr>
+        <p:cNvPr id="1" name=""/>
+        <p:cNvGrpSpPr/>
+        <p:nvPr/>
+      </p:nvGrpSpPr>
+      <p:grpSpPr>
+        <a:xfrm>
+          <a:off x="0" y="0"/>
+          <a:ext cx="0" cy="0"/>
+          <a:chOff x="0" y="0"/>
+          <a:chExt cx="0" cy="0"/>
+        </a:xfrm>
+      </p:grpSpPr>
+      <p:sp>
+        <p:nvSpPr>
+          <p:cNvPr id="6" name="Title 5">
+            <a:extLst>
+              <a:ext uri="{FF2B5EF4-FFF2-40B4-BE49-F238E27FC236}">
+                <a16:creationId xmlns:a16="http://schemas.microsoft.com/office/drawing/2014/main" id="{68636012-AC32-0E45-B30B-D8129B1292F9}"/>
+              </a:ext>
+            </a:extLst>
+          </p:cNvPr>
+          <p:cNvSpPr>
+            <a:spLocks noGrp="1"/>
+          </p:cNvSpPr>
+          <p:nvPr>
+            <p:ph type="ctrTitle"/>
+          </p:nvPr>
+        </p:nvSpPr>
+        <p:spPr/>
+        <p:txBody>
+          <a:bodyPr/>
+          <a:lstStyle/>
+          <a:p>
+            <a:r>
+              <a:rPr lang="en-US" dirty="0"/>
+              <a:t>Everyone is welcome</a:t>
+            </a:r>
+          </a:p>
+        </p:txBody>
+      </p:sp>
+      <p:sp>
+        <p:nvSpPr>
+          <p:cNvPr id="7" name="Subtitle 6">
+            <a:extLst>
+              <a:ext uri="{FF2B5EF4-FFF2-40B4-BE49-F238E27FC236}">
+                <a16:creationId xmlns:a16="http://schemas.microsoft.com/office/drawing/2014/main" id="{4A1608BE-BAA2-D947-8E70-1704AD7B46FF}"/>
+              </a:ext>
+            </a:extLst>
+          </p:cNvPr>
+          <p:cNvSpPr>
+            <a:spLocks noGrp="1"/>
+          </p:cNvSpPr>
+          <p:nvPr>
+            <p:ph type="subTitle" idx="1"/>
+          </p:nvPr>
+        </p:nvSpPr>
+        <p:spPr/>
+        <p:txBody>
+          <a:bodyPr/>
+          <a:lstStyle/>
+          <a:p>
+            <a:r>
+              <a:rPr lang="en-US" dirty="0">
+                <a:sym typeface="Wingdings" pitchFamily="2" charset="2"/>
+              </a:rPr>
+              <a:t></a:t>
+            </a:r>
+            <a:endParaRPr lang="en-US" dirty="0"/>
+          </a:p>
+        </p:txBody>
+      </p:sp>
+    </p:spTree>
+    <p:extLst>
+      <p:ext uri="{BB962C8B-B14F-4D97-AF65-F5344CB8AC3E}">
+        <p14:creationId xmlns:p14="http://schemas.microsoft.com/office/powerpoint/2010/main" val="3062359506"/>
       </p:ext>
     </p:extLst>
   </p:cSld>
